--- a/Arabic/EPIC on a page v03_Arabic.pptx
+++ b/Arabic/EPIC on a page v03_Arabic.pptx
@@ -254,7 +254,7 @@
           <a:p>
             <a:fld id="{2C589450-6D6C-274A-95DB-474DD4720C8A}" type="datetimeFigureOut">
               <a:rPr lang="en-US" smtClean="0"/>
-              <a:t>2/22/21</a:t>
+              <a:t>4/4/2021</a:t>
             </a:fld>
             <a:endParaRPr lang="en-US"/>
           </a:p>
@@ -424,7 +424,7 @@
           <a:p>
             <a:fld id="{2C589450-6D6C-274A-95DB-474DD4720C8A}" type="datetimeFigureOut">
               <a:rPr lang="en-US" smtClean="0"/>
-              <a:t>2/22/21</a:t>
+              <a:t>4/4/2021</a:t>
             </a:fld>
             <a:endParaRPr lang="en-US"/>
           </a:p>
@@ -604,7 +604,7 @@
           <a:p>
             <a:fld id="{2C589450-6D6C-274A-95DB-474DD4720C8A}" type="datetimeFigureOut">
               <a:rPr lang="en-US" smtClean="0"/>
-              <a:t>2/22/21</a:t>
+              <a:t>4/4/2021</a:t>
             </a:fld>
             <a:endParaRPr lang="en-US"/>
           </a:p>
@@ -774,7 +774,7 @@
           <a:p>
             <a:fld id="{2C589450-6D6C-274A-95DB-474DD4720C8A}" type="datetimeFigureOut">
               <a:rPr lang="en-US" smtClean="0"/>
-              <a:t>2/22/21</a:t>
+              <a:t>4/4/2021</a:t>
             </a:fld>
             <a:endParaRPr lang="en-US"/>
           </a:p>
@@ -1018,7 +1018,7 @@
           <a:p>
             <a:fld id="{2C589450-6D6C-274A-95DB-474DD4720C8A}" type="datetimeFigureOut">
               <a:rPr lang="en-US" smtClean="0"/>
-              <a:t>2/22/21</a:t>
+              <a:t>4/4/2021</a:t>
             </a:fld>
             <a:endParaRPr lang="en-US"/>
           </a:p>
@@ -1250,7 +1250,7 @@
           <a:p>
             <a:fld id="{2C589450-6D6C-274A-95DB-474DD4720C8A}" type="datetimeFigureOut">
               <a:rPr lang="en-US" smtClean="0"/>
-              <a:t>2/22/21</a:t>
+              <a:t>4/4/2021</a:t>
             </a:fld>
             <a:endParaRPr lang="en-US"/>
           </a:p>
@@ -1617,7 +1617,7 @@
           <a:p>
             <a:fld id="{2C589450-6D6C-274A-95DB-474DD4720C8A}" type="datetimeFigureOut">
               <a:rPr lang="en-US" smtClean="0"/>
-              <a:t>2/22/21</a:t>
+              <a:t>4/4/2021</a:t>
             </a:fld>
             <a:endParaRPr lang="en-US"/>
           </a:p>
@@ -1735,7 +1735,7 @@
           <a:p>
             <a:fld id="{2C589450-6D6C-274A-95DB-474DD4720C8A}" type="datetimeFigureOut">
               <a:rPr lang="en-US" smtClean="0"/>
-              <a:t>2/22/21</a:t>
+              <a:t>4/4/2021</a:t>
             </a:fld>
             <a:endParaRPr lang="en-US"/>
           </a:p>
@@ -1830,7 +1830,7 @@
           <a:p>
             <a:fld id="{2C589450-6D6C-274A-95DB-474DD4720C8A}" type="datetimeFigureOut">
               <a:rPr lang="en-US" smtClean="0"/>
-              <a:t>2/22/21</a:t>
+              <a:t>4/4/2021</a:t>
             </a:fld>
             <a:endParaRPr lang="en-US"/>
           </a:p>
@@ -2107,7 +2107,7 @@
           <a:p>
             <a:fld id="{2C589450-6D6C-274A-95DB-474DD4720C8A}" type="datetimeFigureOut">
               <a:rPr lang="en-US" smtClean="0"/>
-              <a:t>2/22/21</a:t>
+              <a:t>4/4/2021</a:t>
             </a:fld>
             <a:endParaRPr lang="en-US"/>
           </a:p>
@@ -2364,7 +2364,7 @@
           <a:p>
             <a:fld id="{2C589450-6D6C-274A-95DB-474DD4720C8A}" type="datetimeFigureOut">
               <a:rPr lang="en-US" smtClean="0"/>
-              <a:t>2/22/21</a:t>
+              <a:t>4/4/2021</a:t>
             </a:fld>
             <a:endParaRPr lang="en-US"/>
           </a:p>
@@ -2580,7 +2580,7 @@
           <a:p>
             <a:fld id="{2C589450-6D6C-274A-95DB-474DD4720C8A}" type="datetimeFigureOut">
               <a:rPr lang="en-US" smtClean="0"/>
-              <a:t>2/22/21</a:t>
+              <a:t>4/4/2021</a:t>
             </a:fld>
             <a:endParaRPr lang="en-US"/>
           </a:p>
@@ -3304,7 +3304,7 @@
         </p:nvSpPr>
         <p:spPr>
           <a:xfrm>
-            <a:off x="1673236" y="6113506"/>
+            <a:off x="868616" y="6132597"/>
             <a:ext cx="2450797" cy="201185"/>
           </a:xfrm>
           <a:prstGeom prst="rect">
@@ -3318,19 +3318,28 @@
           </a:bodyPr>
           <a:lstStyle/>
           <a:p>
-            <a:pPr algn="l">
+            <a:pPr algn="r" rtl="1">
               <a:lnSpc>
                 <a:spcPct val="150000"/>
               </a:lnSpc>
             </a:pPr>
             <a:r>
-              <a:rPr lang="en-US" sz="1050" b="1" dirty="0">
+              <a:rPr lang="ar-SA" sz="1050" b="1" dirty="0">
                 <a:solidFill>
                   <a:schemeClr val="tx2"/>
                 </a:solidFill>
                 <a:latin typeface="Gotham HTF" pitchFamily="2" charset="77"/>
               </a:rPr>
-              <a:t>38% </a:t>
+              <a:t>٣٨ % </a:t>
+            </a:r>
+            <a:r>
+              <a:rPr lang="en-US" sz="800" dirty="0">
+                <a:solidFill>
+                  <a:schemeClr val="tx2"/>
+                </a:solidFill>
+                <a:latin typeface="Gotham HTF Book" pitchFamily="2" charset="77"/>
+              </a:rPr>
+              <a:t>GPU </a:t>
             </a:r>
             <a:r>
               <a:rPr lang="ar-SA" sz="800" dirty="0">
@@ -3339,7 +3348,7 @@
                 </a:solidFill>
                 <a:latin typeface="Gotham HTF Book" pitchFamily="2" charset="77"/>
               </a:rPr>
-              <a:t>عادي</a:t>
+              <a:t> قياسي ، </a:t>
             </a:r>
             <a:r>
               <a:rPr lang="en-US" sz="800" dirty="0">
@@ -3348,14 +3357,8 @@
                 </a:solidFill>
                 <a:latin typeface="Gotham HTF Book" pitchFamily="2" charset="77"/>
               </a:rPr>
-              <a:t> GPU, AMD/NVIDIA</a:t>
-            </a:r>
-            <a:endParaRPr lang="en-US" sz="1050" dirty="0">
-              <a:solidFill>
-                <a:schemeClr val="tx2"/>
-              </a:solidFill>
-              <a:latin typeface="Gotham HTF Book" pitchFamily="2" charset="77"/>
-            </a:endParaRPr>
+              <a:t>AMD / NVIDIA</a:t>
+            </a:r>
           </a:p>
         </p:txBody>
       </p:sp>
@@ -3373,7 +3376,7 @@
         </p:nvSpPr>
         <p:spPr>
           <a:xfrm>
-            <a:off x="1673236" y="6325073"/>
+            <a:off x="1361311" y="6337610"/>
             <a:ext cx="1954432" cy="232619"/>
           </a:xfrm>
           <a:prstGeom prst="rect">
@@ -3387,19 +3390,28 @@
           </a:bodyPr>
           <a:lstStyle/>
           <a:p>
-            <a:pPr algn="l">
+            <a:pPr algn="r" rtl="1">
               <a:lnSpc>
                 <a:spcPct val="150000"/>
               </a:lnSpc>
             </a:pPr>
             <a:r>
-              <a:rPr lang="en-US" sz="1050" b="1" dirty="0">
+              <a:rPr lang="ar-SA" sz="1050" b="1" dirty="0">
                 <a:solidFill>
                   <a:schemeClr val="tx2"/>
                 </a:solidFill>
                 <a:latin typeface="Gotham HTF" pitchFamily="2" charset="77"/>
               </a:rPr>
-              <a:t>2% </a:t>
+              <a:t>٢% </a:t>
+            </a:r>
+            <a:r>
+              <a:rPr lang="en-US" sz="800" dirty="0">
+                <a:solidFill>
+                  <a:schemeClr val="tx2"/>
+                </a:solidFill>
+                <a:latin typeface="Gotham HTF Book" pitchFamily="2" charset="77"/>
+              </a:rPr>
+              <a:t>ASIC </a:t>
             </a:r>
             <a:r>
               <a:rPr lang="ar-SA" sz="800" dirty="0">
@@ -3408,16 +3420,7 @@
                 </a:solidFill>
                 <a:latin typeface="Gotham HTF Book" pitchFamily="2" charset="77"/>
               </a:rPr>
-              <a:t>خاص</a:t>
-            </a:r>
-            <a:r>
-              <a:rPr lang="en-US" sz="800" dirty="0">
-                <a:solidFill>
-                  <a:schemeClr val="tx2"/>
-                </a:solidFill>
-                <a:latin typeface="Gotham HTF Book" pitchFamily="2" charset="77"/>
-              </a:rPr>
-              <a:t> ASIC</a:t>
+              <a:t> خاص</a:t>
             </a:r>
             <a:endParaRPr lang="en-US" sz="1050" dirty="0">
               <a:solidFill>
@@ -3442,8 +3445,8 @@
         </p:nvSpPr>
         <p:spPr>
           <a:xfrm>
-            <a:off x="1673235" y="5891854"/>
-            <a:ext cx="2876447" cy="273041"/>
+            <a:off x="1567186" y="5891854"/>
+            <a:ext cx="1728464" cy="273041"/>
           </a:xfrm>
           <a:prstGeom prst="rect">
             <a:avLst/>
@@ -3456,19 +3459,28 @@
           </a:bodyPr>
           <a:lstStyle/>
           <a:p>
-            <a:pPr algn="l">
+            <a:pPr algn="r" rtl="1">
               <a:lnSpc>
                 <a:spcPct val="150000"/>
               </a:lnSpc>
             </a:pPr>
             <a:r>
-              <a:rPr lang="en-US" sz="1050" b="1" dirty="0">
+              <a:rPr lang="ar-SA" sz="1050" b="1" dirty="0">
                 <a:solidFill>
                   <a:schemeClr val="tx2"/>
                 </a:solidFill>
                 <a:latin typeface="Gotham HTF" pitchFamily="2" charset="77"/>
               </a:rPr>
-              <a:t>60% </a:t>
+              <a:t>٦٠% </a:t>
+            </a:r>
+            <a:r>
+              <a:rPr lang="en-US" sz="800" dirty="0">
+                <a:solidFill>
+                  <a:schemeClr val="tx2"/>
+                </a:solidFill>
+                <a:latin typeface="Gotham HTF Book" pitchFamily="2" charset="77"/>
+              </a:rPr>
+              <a:t>CPU, AMD/Intel</a:t>
             </a:r>
             <a:r>
               <a:rPr lang="ar-SA" sz="800" dirty="0">
@@ -3477,16 +3489,7 @@
                 </a:solidFill>
                 <a:latin typeface="Gotham HTF Book" pitchFamily="2" charset="77"/>
               </a:rPr>
-              <a:t>هدف عام</a:t>
-            </a:r>
-            <a:r>
-              <a:rPr lang="en-US" sz="800" dirty="0">
-                <a:solidFill>
-                  <a:schemeClr val="tx2"/>
-                </a:solidFill>
-                <a:latin typeface="Gotham HTF Book" pitchFamily="2" charset="77"/>
-              </a:rPr>
-              <a:t> CPU, AMD/Intel</a:t>
+              <a:t> للأغراض العامة</a:t>
             </a:r>
             <a:endParaRPr lang="en-US" sz="1050" dirty="0">
               <a:solidFill>
@@ -3689,12 +3692,36 @@
           <a:p>
             <a:pPr rtl="1"/>
             <a:r>
+              <a:rPr lang="en-US" b="1" dirty="0">
+                <a:solidFill>
+                  <a:schemeClr val="tx2"/>
+                </a:solidFill>
+              </a:rPr>
+              <a:t>EPIC</a:t>
+            </a:r>
+            <a:r>
               <a:rPr lang="ar-AE" b="1" dirty="0">
                 <a:solidFill>
                   <a:schemeClr val="tx2"/>
                 </a:solidFill>
               </a:rPr>
-              <a:t>ايبك, مشروع مجموعة تطوعية بالكامل تم طرحه في ايلول عام ٢٠١٩ </a:t>
+              <a:t>, مشروع مجموعة تطوعية بالكامل تم طرحه في </a:t>
+            </a:r>
+            <a:r>
+              <a:rPr lang="ar-SA" b="1" dirty="0">
+                <a:solidFill>
+                  <a:schemeClr val="tx2"/>
+                </a:solidFill>
+              </a:rPr>
+              <a:t>سبتمبر</a:t>
+            </a:r>
+            <a:r>
+              <a:rPr lang="ar-AE" b="1" dirty="0">
+                <a:solidFill>
+                  <a:schemeClr val="tx2"/>
+                </a:solidFill>
+              </a:rPr>
+              <a:t> عام ٢٠١٩ </a:t>
             </a:r>
           </a:p>
         </p:txBody>
@@ -3713,7 +3740,7 @@
         </p:nvSpPr>
         <p:spPr>
           <a:xfrm>
-            <a:off x="-28306" y="5341307"/>
+            <a:off x="4724510" y="5319196"/>
             <a:ext cx="2479296" cy="248379"/>
           </a:xfrm>
           <a:prstGeom prst="rect">
@@ -3727,7 +3754,7 @@
           </a:bodyPr>
           <a:lstStyle/>
           <a:p>
-            <a:pPr algn="ctr"/>
+            <a:pPr algn="ctr" rtl="1"/>
             <a:r>
               <a:rPr lang="ar-SA" sz="1200" b="1" dirty="0">
                 <a:solidFill>
@@ -3808,7 +3835,7 @@
         <p:spPr>
           <a:xfrm>
             <a:off x="203663" y="3826267"/>
-            <a:ext cx="3030126" cy="395192"/>
+            <a:ext cx="3030126" cy="502048"/>
           </a:xfrm>
           <a:prstGeom prst="rect">
             <a:avLst/>
@@ -3828,9 +3855,9 @@
                   <a:schemeClr val="tx2"/>
                 </a:solidFill>
               </a:rPr>
-              <a:t>١٠٠٪ حركات خاصة وسرية</a:t>
-            </a:r>
-            <a:endParaRPr lang="ar-AE" sz="1600" dirty="0">
+              <a:t>١٠٠% المعاملات خاصة بتقنية </a:t>
+            </a:r>
+            <a:endParaRPr lang="ar-SA" sz="1600" b="1" dirty="0">
               <a:solidFill>
                 <a:schemeClr val="tx2"/>
               </a:solidFill>
@@ -3839,35 +3866,25 @@
           <a:p>
             <a:pPr algn="ctr" rtl="1"/>
             <a:r>
-              <a:rPr lang="ar-AE" sz="1600" b="1" dirty="0">
+              <a:rPr lang="ar-SA" sz="1600" dirty="0">
                 <a:solidFill>
                   <a:schemeClr val="tx2"/>
                 </a:solidFill>
               </a:rPr>
-              <a:t> بتقنية ميمبل ويميل</a:t>
-            </a:r>
-            <a:endParaRPr lang="ar-AE" sz="1600" dirty="0">
+              <a:t>على أساس </a:t>
+            </a:r>
+            <a:r>
+              <a:rPr lang="en-US" sz="1600" dirty="0" err="1">
+                <a:solidFill>
+                  <a:schemeClr val="tx2"/>
+                </a:solidFill>
+              </a:rPr>
+              <a:t>Mimblewimble</a:t>
+            </a:r>
+            <a:endParaRPr lang="en-US" sz="1600" dirty="0">
               <a:solidFill>
                 <a:schemeClr val="tx2"/>
               </a:solidFill>
-            </a:endParaRPr>
-          </a:p>
-          <a:p>
-            <a:pPr algn="ctr"/>
-            <a:r>
-              <a:rPr lang="en-US" sz="1050" dirty="0">
-                <a:solidFill>
-                  <a:schemeClr val="tx2"/>
-                </a:solidFill>
-                <a:latin typeface="Gotham HTF Book" pitchFamily="2" charset="77"/>
-              </a:rPr>
-              <a:t>le</a:t>
-            </a:r>
-            <a:endParaRPr lang="en-US" sz="1050" dirty="0">
-              <a:solidFill>
-                <a:schemeClr val="tx2"/>
-              </a:solidFill>
-              <a:latin typeface="Gotham HTF" pitchFamily="2" charset="77"/>
             </a:endParaRPr>
           </a:p>
         </p:txBody>
@@ -4646,8 +4663,8 @@
           </p:nvSpPr>
           <p:spPr>
             <a:xfrm>
-              <a:off x="697800" y="2950702"/>
-              <a:ext cx="914400" cy="761743"/>
+              <a:off x="445228" y="2950702"/>
+              <a:ext cx="1166972" cy="761743"/>
             </a:xfrm>
             <a:prstGeom prst="rect">
               <a:avLst/>
@@ -4674,7 +4691,7 @@
                   </a:solidFill>
                   <a:latin typeface="Gotham HTF Black" pitchFamily="2" charset="77"/>
                 </a:rPr>
-                <a:t>توزيع عملة</a:t>
+                <a:t>طرح العملة الأولي</a:t>
               </a:r>
               <a:br>
                 <a:rPr lang="en-US" sz="1600" b="1" dirty="0">
@@ -5808,7 +5825,7 @@
                 </a:solidFill>
                 <a:latin typeface="Gotham HTF Black" pitchFamily="2" charset="77"/>
               </a:rPr>
-              <a:t>بورصات التداول</a:t>
+              <a:t>منصات التداول</a:t>
             </a:r>
             <a:endParaRPr lang="en-US" sz="1050" dirty="0">
               <a:solidFill>
@@ -6454,7 +6471,7 @@
         </p:nvSpPr>
         <p:spPr>
           <a:xfrm>
-            <a:off x="104468" y="8904409"/>
+            <a:off x="2737451" y="8916847"/>
             <a:ext cx="3679850" cy="236171"/>
           </a:xfrm>
           <a:prstGeom prst="rect">
@@ -6468,7 +6485,7 @@
           </a:bodyPr>
           <a:lstStyle/>
           <a:p>
-            <a:pPr algn="l"/>
+            <a:pPr algn="r" rtl="1"/>
             <a:r>
               <a:rPr lang="en-US" sz="700" b="1" dirty="0">
                 <a:solidFill>
@@ -6476,8 +6493,23 @@
                 </a:solidFill>
                 <a:latin typeface="Gotham HTF Book" pitchFamily="2" charset="77"/>
               </a:rPr>
-              <a:t>Epic on a page v03 Feb 2021</a:t>
-            </a:r>
+              <a:t>Epic </a:t>
+            </a:r>
+            <a:r>
+              <a:rPr lang="ar-SA" sz="700" b="1" dirty="0">
+                <a:solidFill>
+                  <a:schemeClr val="bg2"/>
+                </a:solidFill>
+                <a:latin typeface="Gotham HTF Book" pitchFamily="2" charset="77"/>
+              </a:rPr>
+              <a:t> في صفحة نسخة ٠.٣  فبراير ٢٠٢١ </a:t>
+            </a:r>
+            <a:endParaRPr lang="en-US" sz="700" b="1" dirty="0">
+              <a:solidFill>
+                <a:schemeClr val="bg2"/>
+              </a:solidFill>
+              <a:latin typeface="Gotham HTF Book" pitchFamily="2" charset="77"/>
+            </a:endParaRPr>
           </a:p>
         </p:txBody>
       </p:sp>
